--- a/presentation/Presentation.pptx
+++ b/presentation/Presentation.pptx
@@ -23,16 +23,17 @@
     <p:sldId id="279" r:id="rId20"/>
     <p:sldId id="280" r:id="rId21"/>
     <p:sldId id="281" r:id="rId22"/>
-    <p:sldId id="268" r:id="rId23"/>
-    <p:sldId id="273" r:id="rId24"/>
-    <p:sldId id="274" r:id="rId25"/>
-    <p:sldId id="269" r:id="rId26"/>
-    <p:sldId id="270" r:id="rId27"/>
-    <p:sldId id="271" r:id="rId28"/>
-    <p:sldId id="276" r:id="rId29"/>
-    <p:sldId id="278" r:id="rId30"/>
-    <p:sldId id="282" r:id="rId31"/>
-    <p:sldId id="283" r:id="rId32"/>
+    <p:sldId id="284" r:id="rId23"/>
+    <p:sldId id="268" r:id="rId24"/>
+    <p:sldId id="273" r:id="rId25"/>
+    <p:sldId id="274" r:id="rId26"/>
+    <p:sldId id="269" r:id="rId27"/>
+    <p:sldId id="270" r:id="rId28"/>
+    <p:sldId id="271" r:id="rId29"/>
+    <p:sldId id="276" r:id="rId30"/>
+    <p:sldId id="278" r:id="rId31"/>
+    <p:sldId id="282" r:id="rId32"/>
+    <p:sldId id="283" r:id="rId33"/>
   </p:sldIdLst>
   <p:sldSz cx="12192000" cy="6858000"/>
   <p:notesSz cx="6858000" cy="9144000"/>
@@ -295,7 +296,7 @@
           <a:p>
             <a:fld id="{DB012227-1BEE-46F6-9B77-9C02A054077E}" type="datetimeFigureOut">
               <a:rPr lang="en-US" smtClean="0"/>
-              <a:t>6/11/2024</a:t>
+              <a:t>6/12/2024</a:t>
             </a:fld>
             <a:endParaRPr lang="en-US"/>
           </a:p>
@@ -493,7 +494,7 @@
           <a:p>
             <a:fld id="{DB012227-1BEE-46F6-9B77-9C02A054077E}" type="datetimeFigureOut">
               <a:rPr lang="en-US" smtClean="0"/>
-              <a:t>6/11/2024</a:t>
+              <a:t>6/12/2024</a:t>
             </a:fld>
             <a:endParaRPr lang="en-US"/>
           </a:p>
@@ -701,7 +702,7 @@
           <a:p>
             <a:fld id="{DB012227-1BEE-46F6-9B77-9C02A054077E}" type="datetimeFigureOut">
               <a:rPr lang="en-US" smtClean="0"/>
-              <a:t>6/11/2024</a:t>
+              <a:t>6/12/2024</a:t>
             </a:fld>
             <a:endParaRPr lang="en-US"/>
           </a:p>
@@ -899,7 +900,7 @@
           <a:p>
             <a:fld id="{DB012227-1BEE-46F6-9B77-9C02A054077E}" type="datetimeFigureOut">
               <a:rPr lang="en-US" smtClean="0"/>
-              <a:t>6/11/2024</a:t>
+              <a:t>6/12/2024</a:t>
             </a:fld>
             <a:endParaRPr lang="en-US"/>
           </a:p>
@@ -1174,7 +1175,7 @@
           <a:p>
             <a:fld id="{DB012227-1BEE-46F6-9B77-9C02A054077E}" type="datetimeFigureOut">
               <a:rPr lang="en-US" smtClean="0"/>
-              <a:t>6/11/2024</a:t>
+              <a:t>6/12/2024</a:t>
             </a:fld>
             <a:endParaRPr lang="en-US"/>
           </a:p>
@@ -1439,7 +1440,7 @@
           <a:p>
             <a:fld id="{DB012227-1BEE-46F6-9B77-9C02A054077E}" type="datetimeFigureOut">
               <a:rPr lang="en-US" smtClean="0"/>
-              <a:t>6/11/2024</a:t>
+              <a:t>6/12/2024</a:t>
             </a:fld>
             <a:endParaRPr lang="en-US"/>
           </a:p>
@@ -1851,7 +1852,7 @@
           <a:p>
             <a:fld id="{DB012227-1BEE-46F6-9B77-9C02A054077E}" type="datetimeFigureOut">
               <a:rPr lang="en-US" smtClean="0"/>
-              <a:t>6/11/2024</a:t>
+              <a:t>6/12/2024</a:t>
             </a:fld>
             <a:endParaRPr lang="en-US"/>
           </a:p>
@@ -1992,7 +1993,7 @@
           <a:p>
             <a:fld id="{DB012227-1BEE-46F6-9B77-9C02A054077E}" type="datetimeFigureOut">
               <a:rPr lang="en-US" smtClean="0"/>
-              <a:t>6/11/2024</a:t>
+              <a:t>6/12/2024</a:t>
             </a:fld>
             <a:endParaRPr lang="en-US"/>
           </a:p>
@@ -2105,7 +2106,7 @@
           <a:p>
             <a:fld id="{DB012227-1BEE-46F6-9B77-9C02A054077E}" type="datetimeFigureOut">
               <a:rPr lang="en-US" smtClean="0"/>
-              <a:t>6/11/2024</a:t>
+              <a:t>6/12/2024</a:t>
             </a:fld>
             <a:endParaRPr lang="en-US"/>
           </a:p>
@@ -2416,7 +2417,7 @@
           <a:p>
             <a:fld id="{DB012227-1BEE-46F6-9B77-9C02A054077E}" type="datetimeFigureOut">
               <a:rPr lang="en-US" smtClean="0"/>
-              <a:t>6/11/2024</a:t>
+              <a:t>6/12/2024</a:t>
             </a:fld>
             <a:endParaRPr lang="en-US"/>
           </a:p>
@@ -2704,7 +2705,7 @@
           <a:p>
             <a:fld id="{DB012227-1BEE-46F6-9B77-9C02A054077E}" type="datetimeFigureOut">
               <a:rPr lang="en-US" smtClean="0"/>
-              <a:t>6/11/2024</a:t>
+              <a:t>6/12/2024</a:t>
             </a:fld>
             <a:endParaRPr lang="en-US"/>
           </a:p>
@@ -2945,7 +2946,7 @@
           <a:p>
             <a:fld id="{DB012227-1BEE-46F6-9B77-9C02A054077E}" type="datetimeFigureOut">
               <a:rPr lang="en-US" smtClean="0"/>
-              <a:t>6/11/2024</a:t>
+              <a:t>6/12/2024</a:t>
             </a:fld>
             <a:endParaRPr lang="en-US"/>
           </a:p>
@@ -10058,10 +10059,10 @@
       </p:sp>
       <p:pic>
         <p:nvPicPr>
-          <p:cNvPr id="7" name="Picture 6">
-            <a:extLst>
-              <a:ext uri="{FF2B5EF4-FFF2-40B4-BE49-F238E27FC236}">
-                <a16:creationId xmlns:a16="http://schemas.microsoft.com/office/drawing/2014/main" id="{B8ECC62F-BC88-35C3-2DCB-FA794EAAA3C2}"/>
+          <p:cNvPr id="4" name="Picture 3">
+            <a:extLst>
+              <a:ext uri="{FF2B5EF4-FFF2-40B4-BE49-F238E27FC236}">
+                <a16:creationId xmlns:a16="http://schemas.microsoft.com/office/drawing/2014/main" id="{44A17719-5E60-555E-E687-59FF8DF2F750}"/>
               </a:ext>
             </a:extLst>
           </p:cNvPr>
@@ -10078,38 +10079,8 @@
         </p:blipFill>
         <p:spPr>
           <a:xfrm>
-            <a:off x="686702" y="1466576"/>
-            <a:ext cx="8916644" cy="3924848"/>
-          </a:xfrm>
-          <a:prstGeom prst="rect">
-            <a:avLst/>
-          </a:prstGeom>
-        </p:spPr>
-      </p:pic>
-      <p:pic>
-        <p:nvPicPr>
-          <p:cNvPr id="9" name="Picture 8">
-            <a:extLst>
-              <a:ext uri="{FF2B5EF4-FFF2-40B4-BE49-F238E27FC236}">
-                <a16:creationId xmlns:a16="http://schemas.microsoft.com/office/drawing/2014/main" id="{DADCC650-F879-79EF-2A75-7F6B619F2B24}"/>
-              </a:ext>
-            </a:extLst>
-          </p:cNvPr>
-          <p:cNvPicPr>
-            <a:picLocks noChangeAspect="1"/>
-          </p:cNvPicPr>
-          <p:nvPr/>
-        </p:nvPicPr>
-        <p:blipFill>
-          <a:blip r:embed="rId3"/>
-          <a:stretch>
-            <a:fillRect/>
-          </a:stretch>
-        </p:blipFill>
-        <p:spPr>
-          <a:xfrm>
-            <a:off x="2780684" y="4745202"/>
-            <a:ext cx="8821381" cy="1562318"/>
+            <a:off x="557784" y="1910144"/>
+            <a:ext cx="10902696" cy="3628347"/>
           </a:xfrm>
           <a:prstGeom prst="rect">
             <a:avLst/>
@@ -10119,7 +10090,7 @@
     </p:spTree>
     <p:extLst>
       <p:ext uri="{BB962C8B-B14F-4D97-AF65-F5344CB8AC3E}">
-        <p14:creationId xmlns:p14="http://schemas.microsoft.com/office/powerpoint/2010/main" val="1490626457"/>
+        <p14:creationId xmlns:p14="http://schemas.microsoft.com/office/powerpoint/2010/main" val="1815268660"/>
       </p:ext>
     </p:extLst>
   </p:cSld>
@@ -10369,6 +10340,172 @@
                 </a:highlight>
                 <a:latin typeface="Times New Roman" panose="02020603050405020304" pitchFamily="18" charset="0"/>
               </a:rPr>
+              <a:t>hay đổi phương thức tính khoảng cách</a:t>
+            </a:r>
+            <a:endParaRPr lang="en-US"/>
+          </a:p>
+        </p:txBody>
+      </p:sp>
+      <p:sp>
+        <p:nvSpPr>
+          <p:cNvPr id="5" name="Content Placeholder 4">
+            <a:extLst>
+              <a:ext uri="{FF2B5EF4-FFF2-40B4-BE49-F238E27FC236}">
+                <a16:creationId xmlns:a16="http://schemas.microsoft.com/office/drawing/2014/main" id="{EA595051-E95D-B450-7D44-6CDC640ECD27}"/>
+              </a:ext>
+            </a:extLst>
+          </p:cNvPr>
+          <p:cNvSpPr>
+            <a:spLocks noGrp="1"/>
+          </p:cNvSpPr>
+          <p:nvPr>
+            <p:ph idx="1"/>
+          </p:nvPr>
+        </p:nvSpPr>
+        <p:spPr/>
+        <p:txBody>
+          <a:bodyPr/>
+          <a:lstStyle/>
+          <a:p>
+            <a:endParaRPr lang="en-US"/>
+          </a:p>
+        </p:txBody>
+      </p:sp>
+      <p:pic>
+        <p:nvPicPr>
+          <p:cNvPr id="7" name="Picture 6">
+            <a:extLst>
+              <a:ext uri="{FF2B5EF4-FFF2-40B4-BE49-F238E27FC236}">
+                <a16:creationId xmlns:a16="http://schemas.microsoft.com/office/drawing/2014/main" id="{B8ECC62F-BC88-35C3-2DCB-FA794EAAA3C2}"/>
+              </a:ext>
+            </a:extLst>
+          </p:cNvPr>
+          <p:cNvPicPr>
+            <a:picLocks noChangeAspect="1"/>
+          </p:cNvPicPr>
+          <p:nvPr/>
+        </p:nvPicPr>
+        <p:blipFill>
+          <a:blip r:embed="rId2"/>
+          <a:stretch>
+            <a:fillRect/>
+          </a:stretch>
+        </p:blipFill>
+        <p:spPr>
+          <a:xfrm>
+            <a:off x="686702" y="1466576"/>
+            <a:ext cx="8916644" cy="3924848"/>
+          </a:xfrm>
+          <a:prstGeom prst="rect">
+            <a:avLst/>
+          </a:prstGeom>
+        </p:spPr>
+      </p:pic>
+      <p:pic>
+        <p:nvPicPr>
+          <p:cNvPr id="9" name="Picture 8">
+            <a:extLst>
+              <a:ext uri="{FF2B5EF4-FFF2-40B4-BE49-F238E27FC236}">
+                <a16:creationId xmlns:a16="http://schemas.microsoft.com/office/drawing/2014/main" id="{DADCC650-F879-79EF-2A75-7F6B619F2B24}"/>
+              </a:ext>
+            </a:extLst>
+          </p:cNvPr>
+          <p:cNvPicPr>
+            <a:picLocks noChangeAspect="1"/>
+          </p:cNvPicPr>
+          <p:nvPr/>
+        </p:nvPicPr>
+        <p:blipFill>
+          <a:blip r:embed="rId3"/>
+          <a:stretch>
+            <a:fillRect/>
+          </a:stretch>
+        </p:blipFill>
+        <p:spPr>
+          <a:xfrm>
+            <a:off x="2780684" y="4745202"/>
+            <a:ext cx="8821381" cy="1562318"/>
+          </a:xfrm>
+          <a:prstGeom prst="rect">
+            <a:avLst/>
+          </a:prstGeom>
+        </p:spPr>
+      </p:pic>
+    </p:spTree>
+    <p:extLst>
+      <p:ext uri="{BB962C8B-B14F-4D97-AF65-F5344CB8AC3E}">
+        <p14:creationId xmlns:p14="http://schemas.microsoft.com/office/powerpoint/2010/main" val="1490626457"/>
+      </p:ext>
+    </p:extLst>
+  </p:cSld>
+  <p:clrMapOvr>
+    <a:masterClrMapping/>
+  </p:clrMapOvr>
+</p:sld>
+</file>
+
+<file path=ppt/slides/slide21.xml><?xml version="1.0" encoding="utf-8"?>
+<p:sld xmlns:a="http://schemas.openxmlformats.org/drawingml/2006/main" xmlns:r="http://schemas.openxmlformats.org/officeDocument/2006/relationships" xmlns:p="http://schemas.openxmlformats.org/presentationml/2006/main">
+  <p:cSld>
+    <p:spTree>
+      <p:nvGrpSpPr>
+        <p:cNvPr id="1" name=""/>
+        <p:cNvGrpSpPr/>
+        <p:nvPr/>
+      </p:nvGrpSpPr>
+      <p:grpSpPr>
+        <a:xfrm>
+          <a:off x="0" y="0"/>
+          <a:ext cx="0" cy="0"/>
+          <a:chOff x="0" y="0"/>
+          <a:chExt cx="0" cy="0"/>
+        </a:xfrm>
+      </p:grpSpPr>
+      <p:sp>
+        <p:nvSpPr>
+          <p:cNvPr id="2" name="Title 1">
+            <a:extLst>
+              <a:ext uri="{FF2B5EF4-FFF2-40B4-BE49-F238E27FC236}">
+                <a16:creationId xmlns:a16="http://schemas.microsoft.com/office/drawing/2014/main" id="{976AD587-7E7B-C4D6-37D4-996F3144E983}"/>
+              </a:ext>
+            </a:extLst>
+          </p:cNvPr>
+          <p:cNvSpPr>
+            <a:spLocks noGrp="1"/>
+          </p:cNvSpPr>
+          <p:nvPr>
+            <p:ph type="title"/>
+          </p:nvPr>
+        </p:nvSpPr>
+        <p:spPr/>
+        <p:txBody>
+          <a:bodyPr/>
+          <a:lstStyle/>
+          <a:p>
+            <a:r>
+              <a:rPr lang="en-US" b="1" i="0">
+                <a:solidFill>
+                  <a:srgbClr val="000000"/>
+                </a:solidFill>
+                <a:effectLst/>
+                <a:highlight>
+                  <a:srgbClr val="FFFFFF"/>
+                </a:highlight>
+                <a:latin typeface="Times New Roman" panose="02020603050405020304" pitchFamily="18" charset="0"/>
+              </a:rPr>
+              <a:t>T</a:t>
+            </a:r>
+            <a:r>
+              <a:rPr lang="vi-VN" b="1" i="0">
+                <a:solidFill>
+                  <a:srgbClr val="000000"/>
+                </a:solidFill>
+                <a:effectLst/>
+                <a:highlight>
+                  <a:srgbClr val="FFFFFF"/>
+                </a:highlight>
+                <a:latin typeface="Times New Roman" panose="02020603050405020304" pitchFamily="18" charset="0"/>
+              </a:rPr>
               <a:t>hay đổi phương thức tính </a:t>
             </a:r>
             <a:r>
@@ -10488,7 +10625,7 @@
 </p:sld>
 </file>
 
-<file path=ppt/slides/slide21.xml><?xml version="1.0" encoding="utf-8"?>
+<file path=ppt/slides/slide22.xml><?xml version="1.0" encoding="utf-8"?>
 <p:sld xmlns:a="http://schemas.openxmlformats.org/drawingml/2006/main" xmlns:r="http://schemas.openxmlformats.org/officeDocument/2006/relationships" xmlns:p="http://schemas.openxmlformats.org/presentationml/2006/main">
   <p:cSld>
     <p:spTree>
@@ -10682,151 +10819,6 @@
 </p:sld>
 </file>
 
-<file path=ppt/slides/slide22.xml><?xml version="1.0" encoding="utf-8"?>
-<p:sld xmlns:a="http://schemas.openxmlformats.org/drawingml/2006/main" xmlns:r="http://schemas.openxmlformats.org/officeDocument/2006/relationships" xmlns:p="http://schemas.openxmlformats.org/presentationml/2006/main">
-  <p:cSld>
-    <p:spTree>
-      <p:nvGrpSpPr>
-        <p:cNvPr id="1" name=""/>
-        <p:cNvGrpSpPr/>
-        <p:nvPr/>
-      </p:nvGrpSpPr>
-      <p:grpSpPr>
-        <a:xfrm>
-          <a:off x="0" y="0"/>
-          <a:ext cx="0" cy="0"/>
-          <a:chOff x="0" y="0"/>
-          <a:chExt cx="0" cy="0"/>
-        </a:xfrm>
-      </p:grpSpPr>
-      <p:sp>
-        <p:nvSpPr>
-          <p:cNvPr id="2" name="Title 1">
-            <a:extLst>
-              <a:ext uri="{FF2B5EF4-FFF2-40B4-BE49-F238E27FC236}">
-                <a16:creationId xmlns:a16="http://schemas.microsoft.com/office/drawing/2014/main" id="{1163850C-9757-8451-206F-4070563EAEE0}"/>
-              </a:ext>
-            </a:extLst>
-          </p:cNvPr>
-          <p:cNvSpPr>
-            <a:spLocks noGrp="1"/>
-          </p:cNvSpPr>
-          <p:nvPr>
-            <p:ph type="title"/>
-          </p:nvPr>
-        </p:nvSpPr>
-        <p:spPr>
-          <a:xfrm>
-            <a:off x="593217" y="120142"/>
-            <a:ext cx="10515600" cy="1325563"/>
-          </a:xfrm>
-        </p:spPr>
-        <p:txBody>
-          <a:bodyPr/>
-          <a:lstStyle/>
-          <a:p>
-            <a:r>
-              <a:rPr lang="vi-VN" b="1" i="0">
-                <a:solidFill>
-                  <a:srgbClr val="000000"/>
-                </a:solidFill>
-                <a:effectLst/>
-                <a:highlight>
-                  <a:srgbClr val="FFFFFF"/>
-                </a:highlight>
-                <a:latin typeface="Times New Roman" panose="02020603050405020304" pitchFamily="18" charset="0"/>
-              </a:rPr>
-              <a:t>Thêm phương thức thanh toán mới: Thẻ nội địa</a:t>
-            </a:r>
-            <a:endParaRPr lang="en-US"/>
-          </a:p>
-        </p:txBody>
-      </p:sp>
-      <p:sp>
-        <p:nvSpPr>
-          <p:cNvPr id="3" name="Content Placeholder 2">
-            <a:extLst>
-              <a:ext uri="{FF2B5EF4-FFF2-40B4-BE49-F238E27FC236}">
-                <a16:creationId xmlns:a16="http://schemas.microsoft.com/office/drawing/2014/main" id="{C4D16C57-755C-5809-72B7-AA1DC9F3A901}"/>
-              </a:ext>
-            </a:extLst>
-          </p:cNvPr>
-          <p:cNvSpPr>
-            <a:spLocks noGrp="1"/>
-          </p:cNvSpPr>
-          <p:nvPr>
-            <p:ph idx="1"/>
-          </p:nvPr>
-        </p:nvSpPr>
-        <p:spPr/>
-        <p:txBody>
-          <a:bodyPr/>
-          <a:lstStyle/>
-          <a:p>
-            <a:endParaRPr lang="en-US"/>
-          </a:p>
-        </p:txBody>
-      </p:sp>
-      <p:pic>
-        <p:nvPicPr>
-          <p:cNvPr id="3074" name="Picture 2" descr="A screenshot of a computer screen&#10;&#10;Description automatically generated">
-            <a:extLst>
-              <a:ext uri="{FF2B5EF4-FFF2-40B4-BE49-F238E27FC236}">
-                <a16:creationId xmlns:a16="http://schemas.microsoft.com/office/drawing/2014/main" id="{7CA356F6-0B82-D32A-1A24-434F0B2CD19D}"/>
-              </a:ext>
-            </a:extLst>
-          </p:cNvPr>
-          <p:cNvPicPr>
-            <a:picLocks noChangeAspect="1" noChangeArrowheads="1"/>
-          </p:cNvPicPr>
-          <p:nvPr/>
-        </p:nvPicPr>
-        <p:blipFill>
-          <a:blip r:embed="rId2">
-            <a:extLst>
-              <a:ext uri="{28A0092B-C50C-407E-A947-70E740481C1C}">
-                <a14:useLocalDpi xmlns:a14="http://schemas.microsoft.com/office/drawing/2010/main" val="0"/>
-              </a:ext>
-            </a:extLst>
-          </a:blip>
-          <a:srcRect/>
-          <a:stretch>
-            <a:fillRect/>
-          </a:stretch>
-        </p:blipFill>
-        <p:spPr bwMode="auto">
-          <a:xfrm>
-            <a:off x="107442" y="1547813"/>
-            <a:ext cx="12192000" cy="4629150"/>
-          </a:xfrm>
-          <a:prstGeom prst="rect">
-            <a:avLst/>
-          </a:prstGeom>
-          <a:noFill/>
-          <a:extLst>
-            <a:ext uri="{909E8E84-426E-40DD-AFC4-6F175D3DCCD1}">
-              <a14:hiddenFill xmlns:a14="http://schemas.microsoft.com/office/drawing/2010/main">
-                <a:solidFill>
-                  <a:srgbClr val="FFFFFF"/>
-                </a:solidFill>
-              </a14:hiddenFill>
-            </a:ext>
-          </a:extLst>
-        </p:spPr>
-      </p:pic>
-    </p:spTree>
-    <p:extLst>
-      <p:ext uri="{BB962C8B-B14F-4D97-AF65-F5344CB8AC3E}">
-        <p14:creationId xmlns:p14="http://schemas.microsoft.com/office/powerpoint/2010/main" val="4291581697"/>
-      </p:ext>
-    </p:extLst>
-  </p:cSld>
-  <p:clrMapOvr>
-    <a:masterClrMapping/>
-  </p:clrMapOvr>
-</p:sld>
-</file>
-
 <file path=ppt/slides/slide23.xml><?xml version="1.0" encoding="utf-8"?>
 <p:sld xmlns:a="http://schemas.openxmlformats.org/drawingml/2006/main" xmlns:r="http://schemas.openxmlformats.org/officeDocument/2006/relationships" xmlns:p="http://schemas.openxmlformats.org/presentationml/2006/main">
   <p:cSld>
@@ -10849,7 +10841,7 @@
           <p:cNvPr id="2" name="Title 1">
             <a:extLst>
               <a:ext uri="{FF2B5EF4-FFF2-40B4-BE49-F238E27FC236}">
-                <a16:creationId xmlns:a16="http://schemas.microsoft.com/office/drawing/2014/main" id="{B0A31E04-D5E8-7E6B-17DC-4F9F74103725}"/>
+                <a16:creationId xmlns:a16="http://schemas.microsoft.com/office/drawing/2014/main" id="{1163850C-9757-8451-206F-4070563EAEE0}"/>
               </a:ext>
             </a:extLst>
           </p:cNvPr>
@@ -10860,11 +10852,29 @@
             <p:ph type="title"/>
           </p:nvPr>
         </p:nvSpPr>
-        <p:spPr/>
+        <p:spPr>
+          <a:xfrm>
+            <a:off x="593217" y="120142"/>
+            <a:ext cx="10515600" cy="1325563"/>
+          </a:xfrm>
+        </p:spPr>
         <p:txBody>
           <a:bodyPr/>
           <a:lstStyle/>
           <a:p>
+            <a:r>
+              <a:rPr lang="vi-VN" b="1" i="0">
+                <a:solidFill>
+                  <a:srgbClr val="000000"/>
+                </a:solidFill>
+                <a:effectLst/>
+                <a:highlight>
+                  <a:srgbClr val="FFFFFF"/>
+                </a:highlight>
+                <a:latin typeface="Times New Roman" panose="02020603050405020304" pitchFamily="18" charset="0"/>
+              </a:rPr>
+              <a:t>Thêm phương thức thanh toán mới: Thẻ nội địa</a:t>
+            </a:r>
             <a:endParaRPr lang="en-US"/>
           </a:p>
         </p:txBody>
@@ -10874,7 +10884,7 @@
           <p:cNvPr id="3" name="Content Placeholder 2">
             <a:extLst>
               <a:ext uri="{FF2B5EF4-FFF2-40B4-BE49-F238E27FC236}">
-                <a16:creationId xmlns:a16="http://schemas.microsoft.com/office/drawing/2014/main" id="{FD2A7536-0B03-FB8B-F0AD-B42BE8CB1DE5}"/>
+                <a16:creationId xmlns:a16="http://schemas.microsoft.com/office/drawing/2014/main" id="{C4D16C57-755C-5809-72B7-AA1DC9F3A901}"/>
               </a:ext>
             </a:extLst>
           </p:cNvPr>
@@ -10896,10 +10906,10 @@
       </p:sp>
       <p:pic>
         <p:nvPicPr>
-          <p:cNvPr id="4098" name="Picture 2">
-            <a:extLst>
-              <a:ext uri="{FF2B5EF4-FFF2-40B4-BE49-F238E27FC236}">
-                <a16:creationId xmlns:a16="http://schemas.microsoft.com/office/drawing/2014/main" id="{FBA6F351-7EF6-E172-F587-7038B5EE3971}"/>
+          <p:cNvPr id="3074" name="Picture 2" descr="A screenshot of a computer screen&#10;&#10;Description automatically generated">
+            <a:extLst>
+              <a:ext uri="{FF2B5EF4-FFF2-40B4-BE49-F238E27FC236}">
+                <a16:creationId xmlns:a16="http://schemas.microsoft.com/office/drawing/2014/main" id="{7CA356F6-0B82-D32A-1A24-434F0B2CD19D}"/>
               </a:ext>
             </a:extLst>
           </p:cNvPr>
@@ -10923,8 +10933,8 @@
         </p:blipFill>
         <p:spPr bwMode="auto">
           <a:xfrm>
-            <a:off x="619125" y="365125"/>
-            <a:ext cx="11410950" cy="4562475"/>
+            <a:off x="107442" y="1547813"/>
+            <a:ext cx="12192000" cy="4629150"/>
           </a:xfrm>
           <a:prstGeom prst="rect">
             <a:avLst/>
@@ -10944,7 +10954,7 @@
     </p:spTree>
     <p:extLst>
       <p:ext uri="{BB962C8B-B14F-4D97-AF65-F5344CB8AC3E}">
-        <p14:creationId xmlns:p14="http://schemas.microsoft.com/office/powerpoint/2010/main" val="2953105103"/>
+        <p14:creationId xmlns:p14="http://schemas.microsoft.com/office/powerpoint/2010/main" val="4291581697"/>
       </p:ext>
     </p:extLst>
   </p:cSld>
@@ -10976,6 +10986,133 @@
           <p:cNvPr id="2" name="Title 1">
             <a:extLst>
               <a:ext uri="{FF2B5EF4-FFF2-40B4-BE49-F238E27FC236}">
+                <a16:creationId xmlns:a16="http://schemas.microsoft.com/office/drawing/2014/main" id="{B0A31E04-D5E8-7E6B-17DC-4F9F74103725}"/>
+              </a:ext>
+            </a:extLst>
+          </p:cNvPr>
+          <p:cNvSpPr>
+            <a:spLocks noGrp="1"/>
+          </p:cNvSpPr>
+          <p:nvPr>
+            <p:ph type="title"/>
+          </p:nvPr>
+        </p:nvSpPr>
+        <p:spPr/>
+        <p:txBody>
+          <a:bodyPr/>
+          <a:lstStyle/>
+          <a:p>
+            <a:endParaRPr lang="en-US"/>
+          </a:p>
+        </p:txBody>
+      </p:sp>
+      <p:sp>
+        <p:nvSpPr>
+          <p:cNvPr id="3" name="Content Placeholder 2">
+            <a:extLst>
+              <a:ext uri="{FF2B5EF4-FFF2-40B4-BE49-F238E27FC236}">
+                <a16:creationId xmlns:a16="http://schemas.microsoft.com/office/drawing/2014/main" id="{FD2A7536-0B03-FB8B-F0AD-B42BE8CB1DE5}"/>
+              </a:ext>
+            </a:extLst>
+          </p:cNvPr>
+          <p:cNvSpPr>
+            <a:spLocks noGrp="1"/>
+          </p:cNvSpPr>
+          <p:nvPr>
+            <p:ph idx="1"/>
+          </p:nvPr>
+        </p:nvSpPr>
+        <p:spPr/>
+        <p:txBody>
+          <a:bodyPr/>
+          <a:lstStyle/>
+          <a:p>
+            <a:endParaRPr lang="en-US"/>
+          </a:p>
+        </p:txBody>
+      </p:sp>
+      <p:pic>
+        <p:nvPicPr>
+          <p:cNvPr id="4098" name="Picture 2">
+            <a:extLst>
+              <a:ext uri="{FF2B5EF4-FFF2-40B4-BE49-F238E27FC236}">
+                <a16:creationId xmlns:a16="http://schemas.microsoft.com/office/drawing/2014/main" id="{FBA6F351-7EF6-E172-F587-7038B5EE3971}"/>
+              </a:ext>
+            </a:extLst>
+          </p:cNvPr>
+          <p:cNvPicPr>
+            <a:picLocks noChangeAspect="1" noChangeArrowheads="1"/>
+          </p:cNvPicPr>
+          <p:nvPr/>
+        </p:nvPicPr>
+        <p:blipFill>
+          <a:blip r:embed="rId2">
+            <a:extLst>
+              <a:ext uri="{28A0092B-C50C-407E-A947-70E740481C1C}">
+                <a14:useLocalDpi xmlns:a14="http://schemas.microsoft.com/office/drawing/2010/main" val="0"/>
+              </a:ext>
+            </a:extLst>
+          </a:blip>
+          <a:srcRect/>
+          <a:stretch>
+            <a:fillRect/>
+          </a:stretch>
+        </p:blipFill>
+        <p:spPr bwMode="auto">
+          <a:xfrm>
+            <a:off x="619125" y="365125"/>
+            <a:ext cx="11410950" cy="4562475"/>
+          </a:xfrm>
+          <a:prstGeom prst="rect">
+            <a:avLst/>
+          </a:prstGeom>
+          <a:noFill/>
+          <a:extLst>
+            <a:ext uri="{909E8E84-426E-40DD-AFC4-6F175D3DCCD1}">
+              <a14:hiddenFill xmlns:a14="http://schemas.microsoft.com/office/drawing/2010/main">
+                <a:solidFill>
+                  <a:srgbClr val="FFFFFF"/>
+                </a:solidFill>
+              </a14:hiddenFill>
+            </a:ext>
+          </a:extLst>
+        </p:spPr>
+      </p:pic>
+    </p:spTree>
+    <p:extLst>
+      <p:ext uri="{BB962C8B-B14F-4D97-AF65-F5344CB8AC3E}">
+        <p14:creationId xmlns:p14="http://schemas.microsoft.com/office/powerpoint/2010/main" val="2953105103"/>
+      </p:ext>
+    </p:extLst>
+  </p:cSld>
+  <p:clrMapOvr>
+    <a:masterClrMapping/>
+  </p:clrMapOvr>
+</p:sld>
+</file>
+
+<file path=ppt/slides/slide25.xml><?xml version="1.0" encoding="utf-8"?>
+<p:sld xmlns:a="http://schemas.openxmlformats.org/drawingml/2006/main" xmlns:r="http://schemas.openxmlformats.org/officeDocument/2006/relationships" xmlns:p="http://schemas.openxmlformats.org/presentationml/2006/main">
+  <p:cSld>
+    <p:spTree>
+      <p:nvGrpSpPr>
+        <p:cNvPr id="1" name=""/>
+        <p:cNvGrpSpPr/>
+        <p:nvPr/>
+      </p:nvGrpSpPr>
+      <p:grpSpPr>
+        <a:xfrm>
+          <a:off x="0" y="0"/>
+          <a:ext cx="0" cy="0"/>
+          <a:chOff x="0" y="0"/>
+          <a:chExt cx="0" cy="0"/>
+        </a:xfrm>
+      </p:grpSpPr>
+      <p:sp>
+        <p:nvSpPr>
+          <p:cNvPr id="2" name="Title 1">
+            <a:extLst>
+              <a:ext uri="{FF2B5EF4-FFF2-40B4-BE49-F238E27FC236}">
                 <a16:creationId xmlns:a16="http://schemas.microsoft.com/office/drawing/2014/main" id="{79E680CC-E1F3-F409-EEB9-B2F7B8794320}"/>
               </a:ext>
             </a:extLst>
@@ -11073,7 +11210,7 @@
 </p:sld>
 </file>
 
-<file path=ppt/slides/slide25.xml><?xml version="1.0" encoding="utf-8"?>
+<file path=ppt/slides/slide26.xml><?xml version="1.0" encoding="utf-8"?>
 <p:sld xmlns:a="http://schemas.openxmlformats.org/drawingml/2006/main" xmlns:r="http://schemas.openxmlformats.org/officeDocument/2006/relationships" xmlns:p="http://schemas.openxmlformats.org/presentationml/2006/main">
   <p:cSld>
     <p:spTree>
@@ -11203,7 +11340,7 @@
 </p:sld>
 </file>
 
-<file path=ppt/slides/slide26.xml><?xml version="1.0" encoding="utf-8"?>
+<file path=ppt/slides/slide27.xml><?xml version="1.0" encoding="utf-8"?>
 <p:sld xmlns:a="http://schemas.openxmlformats.org/drawingml/2006/main" xmlns:r="http://schemas.openxmlformats.org/officeDocument/2006/relationships" xmlns:p="http://schemas.openxmlformats.org/presentationml/2006/main">
   <p:cSld>
     <p:spTree>
@@ -11333,7 +11470,7 @@
 </p:sld>
 </file>
 
-<file path=ppt/slides/slide27.xml><?xml version="1.0" encoding="utf-8"?>
+<file path=ppt/slides/slide28.xml><?xml version="1.0" encoding="utf-8"?>
 <p:sld xmlns:a="http://schemas.openxmlformats.org/drawingml/2006/main" xmlns:r="http://schemas.openxmlformats.org/officeDocument/2006/relationships" xmlns:p="http://schemas.openxmlformats.org/presentationml/2006/main">
   <p:cSld>
     <p:bg>
@@ -11748,7 +11885,7 @@
 </p:sld>
 </file>
 
-<file path=ppt/slides/slide28.xml><?xml version="1.0" encoding="utf-8"?>
+<file path=ppt/slides/slide29.xml><?xml version="1.0" encoding="utf-8"?>
 <p:sld xmlns:a="http://schemas.openxmlformats.org/drawingml/2006/main" xmlns:r="http://schemas.openxmlformats.org/officeDocument/2006/relationships" xmlns:p="http://schemas.openxmlformats.org/presentationml/2006/main">
   <p:cSld>
     <p:bg>
@@ -12368,7 +12505,7 @@
         <p:spPr>
           <a:xfrm>
             <a:off x="630936" y="640080"/>
-            <a:ext cx="4818888" cy="1481328"/>
+            <a:ext cx="5193792" cy="1481328"/>
           </a:xfrm>
         </p:spPr>
         <p:txBody>
@@ -12379,7 +12516,7 @@
           <a:p>
             <a:r>
               <a:rPr lang="en-US" sz="5400"/>
-              <a:t>Coupling</a:t>
+              <a:t>Content coupling</a:t>
             </a:r>
           </a:p>
         </p:txBody>
@@ -18422,6 +18559,14 @@
 </file>
 
 <file path=customXml/item2.xml><?xml version="1.0" encoding="utf-8"?>
+<p:properties xmlns:p="http://schemas.microsoft.com/office/2006/metadata/properties" xmlns:xsi="http://www.w3.org/2001/XMLSchema-instance" xmlns:pc="http://schemas.microsoft.com/office/infopath/2007/PartnerControls">
+  <documentManagement>
+    <_activity xmlns="b1f3c163-4c80-44e0-bf27-e722edf82614" xsi:nil="true"/>
+  </documentManagement>
+</p:properties>
+</file>
+
+<file path=customXml/item3.xml><?xml version="1.0" encoding="utf-8"?>
 <ct:contentTypeSchema xmlns:ct="http://schemas.microsoft.com/office/2006/metadata/contentType" xmlns:ma="http://schemas.microsoft.com/office/2006/metadata/properties/metaAttributes" ct:_="" ma:_="" ma:contentTypeName="Document" ma:contentTypeID="0x010100C53ABD5925FE6A41AAE02E9F18F454C6" ma:contentTypeVersion="16" ma:contentTypeDescription="Create a new document." ma:contentTypeScope="" ma:versionID="9146759f08159a8b5b06435ab25765ea">
   <xsd:schema xmlns:xsd="http://www.w3.org/2001/XMLSchema" xmlns:xs="http://www.w3.org/2001/XMLSchema" xmlns:p="http://schemas.microsoft.com/office/2006/metadata/properties" xmlns:ns3="b1f3c163-4c80-44e0-bf27-e722edf82614" xmlns:ns4="8ab704ea-5686-4c6f-ac46-988122663ccb" targetNamespace="http://schemas.microsoft.com/office/2006/metadata/properties" ma:root="true" ma:fieldsID="121d8348700724d914c18287ddb7c027" ns3:_="" ns4:_="">
     <xsd:import namespace="b1f3c163-4c80-44e0-bf27-e722edf82614"/>
@@ -18660,14 +18805,6 @@
 </ct:contentTypeSchema>
 </file>
 
-<file path=customXml/item3.xml><?xml version="1.0" encoding="utf-8"?>
-<p:properties xmlns:p="http://schemas.microsoft.com/office/2006/metadata/properties" xmlns:xsi="http://www.w3.org/2001/XMLSchema-instance" xmlns:pc="http://schemas.microsoft.com/office/infopath/2007/PartnerControls">
-  <documentManagement>
-    <_activity xmlns="b1f3c163-4c80-44e0-bf27-e722edf82614" xsi:nil="true"/>
-  </documentManagement>
-</p:properties>
-</file>
-
 <file path=customXml/itemProps1.xml><?xml version="1.0" encoding="utf-8"?>
 <ds:datastoreItem xmlns:ds="http://schemas.openxmlformats.org/officeDocument/2006/customXml" ds:itemID="{D3BA2964-B7C5-41EA-BB93-8842C82A49EC}">
   <ds:schemaRefs>
@@ -18677,6 +18814,23 @@
 </file>
 
 <file path=customXml/itemProps2.xml><?xml version="1.0" encoding="utf-8"?>
+<ds:datastoreItem xmlns:ds="http://schemas.openxmlformats.org/officeDocument/2006/customXml" ds:itemID="{ED1B67FB-5209-403D-A64B-5CAEC63D8FE7}">
+  <ds:schemaRefs>
+    <ds:schemaRef ds:uri="http://purl.org/dc/elements/1.1/"/>
+    <ds:schemaRef ds:uri="http://purl.org/dc/terms/"/>
+    <ds:schemaRef ds:uri="http://www.w3.org/XML/1998/namespace"/>
+    <ds:schemaRef ds:uri="http://purl.org/dc/dcmitype/"/>
+    <ds:schemaRef ds:uri="http://schemas.microsoft.com/office/2006/documentManagement/types"/>
+    <ds:schemaRef ds:uri="http://schemas.microsoft.com/office/2006/metadata/properties"/>
+    <ds:schemaRef ds:uri="b1f3c163-4c80-44e0-bf27-e722edf82614"/>
+    <ds:schemaRef ds:uri="http://schemas.microsoft.com/office/infopath/2007/PartnerControls"/>
+    <ds:schemaRef ds:uri="http://schemas.openxmlformats.org/package/2006/metadata/core-properties"/>
+    <ds:schemaRef ds:uri="8ab704ea-5686-4c6f-ac46-988122663ccb"/>
+  </ds:schemaRefs>
+</ds:datastoreItem>
+</file>
+
+<file path=customXml/itemProps3.xml><?xml version="1.0" encoding="utf-8"?>
 <ds:datastoreItem xmlns:ds="http://schemas.openxmlformats.org/officeDocument/2006/customXml" ds:itemID="{72D77103-F1C3-4AD1-BA06-746478565F32}">
   <ds:schemaRefs>
     <ds:schemaRef ds:uri="http://schemas.microsoft.com/office/2006/metadata/contentType"/>
@@ -18693,21 +18847,4 @@
     <ds:schemaRef ds:uri="http://schemas.microsoft.com/internal/obd"/>
   </ds:schemaRefs>
 </ds:datastoreItem>
-</file>
-
-<file path=customXml/itemProps3.xml><?xml version="1.0" encoding="utf-8"?>
-<ds:datastoreItem xmlns:ds="http://schemas.openxmlformats.org/officeDocument/2006/customXml" ds:itemID="{ED1B67FB-5209-403D-A64B-5CAEC63D8FE7}">
-  <ds:schemaRefs>
-    <ds:schemaRef ds:uri="http://purl.org/dc/elements/1.1/"/>
-    <ds:schemaRef ds:uri="http://purl.org/dc/terms/"/>
-    <ds:schemaRef ds:uri="http://www.w3.org/XML/1998/namespace"/>
-    <ds:schemaRef ds:uri="http://purl.org/dc/dcmitype/"/>
-    <ds:schemaRef ds:uri="http://schemas.microsoft.com/office/2006/documentManagement/types"/>
-    <ds:schemaRef ds:uri="http://schemas.microsoft.com/office/2006/metadata/properties"/>
-    <ds:schemaRef ds:uri="b1f3c163-4c80-44e0-bf27-e722edf82614"/>
-    <ds:schemaRef ds:uri="http://schemas.microsoft.com/office/infopath/2007/PartnerControls"/>
-    <ds:schemaRef ds:uri="http://schemas.openxmlformats.org/package/2006/metadata/core-properties"/>
-    <ds:schemaRef ds:uri="8ab704ea-5686-4c6f-ac46-988122663ccb"/>
-  </ds:schemaRefs>
-</ds:datastoreItem>
 </file>